--- a/ppt 16-9/1171.世界时旅行地.pptx
+++ b/ppt 16-9/1171.世界时旅行地.pptx
@@ -129,7 +129,7 @@
           <p:cNvPr id="2" name="标题 1">
             <a:extLst>
               <a:ext uri="{FF2B5EF4-FFF2-40B4-BE49-F238E27FC236}">
-                <a16:creationId xmlns:a16="http://schemas.microsoft.com/office/drawing/2014/main" id="{14D61850-3C6B-45EE-492A-F38A08E6AA67}"/>
+                <a16:creationId xmlns:a16="http://schemas.microsoft.com/office/drawing/2014/main" id="{0D6D9DA3-C564-B4DE-28D4-255B7B4475B9}"/>
               </a:ext>
             </a:extLst>
           </p:cNvPr>
@@ -166,7 +166,7 @@
           <p:cNvPr id="3" name="副标题 2">
             <a:extLst>
               <a:ext uri="{FF2B5EF4-FFF2-40B4-BE49-F238E27FC236}">
-                <a16:creationId xmlns:a16="http://schemas.microsoft.com/office/drawing/2014/main" id="{DAF1BD19-F94C-9F2B-7F04-77477A4F685E}"/>
+                <a16:creationId xmlns:a16="http://schemas.microsoft.com/office/drawing/2014/main" id="{99EE8B2D-A791-0993-80A0-002EE0B3B8F2}"/>
               </a:ext>
             </a:extLst>
           </p:cNvPr>
@@ -236,7 +236,7 @@
           <p:cNvPr id="4" name="日期占位符 3">
             <a:extLst>
               <a:ext uri="{FF2B5EF4-FFF2-40B4-BE49-F238E27FC236}">
-                <a16:creationId xmlns:a16="http://schemas.microsoft.com/office/drawing/2014/main" id="{DFA0B937-4A3C-20B4-7CA6-3FA59E1DC0F5}"/>
+                <a16:creationId xmlns:a16="http://schemas.microsoft.com/office/drawing/2014/main" id="{D4F9BCAC-DB27-1421-6F58-D92FBA4CBD8A}"/>
               </a:ext>
             </a:extLst>
           </p:cNvPr>
@@ -252,7 +252,7 @@
           <a:bodyPr/>
           <a:lstStyle/>
           <a:p>
-            <a:fld id="{A4DF2631-DCB3-44C8-8085-D538DBD2AC07}" type="datetimeFigureOut">
+            <a:fld id="{0062A487-BE40-4A9A-B64B-CFD0F7F73EB6}" type="datetimeFigureOut">
               <a:rPr lang="zh-CN" altLang="en-US" smtClean="0"/>
               <a:t>2024/3/10</a:t>
             </a:fld>
@@ -265,7 +265,7 @@
           <p:cNvPr id="5" name="页脚占位符 4">
             <a:extLst>
               <a:ext uri="{FF2B5EF4-FFF2-40B4-BE49-F238E27FC236}">
-                <a16:creationId xmlns:a16="http://schemas.microsoft.com/office/drawing/2014/main" id="{E74126E9-377A-3BC5-D2FA-E8C8F00D4BDE}"/>
+                <a16:creationId xmlns:a16="http://schemas.microsoft.com/office/drawing/2014/main" id="{3A42EF86-7450-0A41-F5AB-A026FBF83424}"/>
               </a:ext>
             </a:extLst>
           </p:cNvPr>
@@ -290,7 +290,7 @@
           <p:cNvPr id="6" name="灯片编号占位符 5">
             <a:extLst>
               <a:ext uri="{FF2B5EF4-FFF2-40B4-BE49-F238E27FC236}">
-                <a16:creationId xmlns:a16="http://schemas.microsoft.com/office/drawing/2014/main" id="{762A3E86-53A3-832A-5DDF-BB19AFC9F6FE}"/>
+                <a16:creationId xmlns:a16="http://schemas.microsoft.com/office/drawing/2014/main" id="{933FB79A-D3E0-64E9-704C-5EC6899657C4}"/>
               </a:ext>
             </a:extLst>
           </p:cNvPr>
@@ -306,7 +306,7 @@
           <a:bodyPr/>
           <a:lstStyle/>
           <a:p>
-            <a:fld id="{CF125FC8-11CF-4167-98E8-6712B32B1ACC}" type="slidenum">
+            <a:fld id="{DA44BFEB-A075-4ABD-B3CE-CF2314BF81AE}" type="slidenum">
               <a:rPr lang="zh-CN" altLang="en-US" smtClean="0"/>
               <a:t>‹#›</a:t>
             </a:fld>
@@ -317,7 +317,7 @@
     </p:spTree>
     <p:extLst>
       <p:ext uri="{BB962C8B-B14F-4D97-AF65-F5344CB8AC3E}">
-        <p14:creationId xmlns:p14="http://schemas.microsoft.com/office/powerpoint/2010/main" val="1677361174"/>
+        <p14:creationId xmlns:p14="http://schemas.microsoft.com/office/powerpoint/2010/main" val="2493133453"/>
       </p:ext>
     </p:extLst>
   </p:cSld>
@@ -349,7 +349,7 @@
           <p:cNvPr id="2" name="标题 1">
             <a:extLst>
               <a:ext uri="{FF2B5EF4-FFF2-40B4-BE49-F238E27FC236}">
-                <a16:creationId xmlns:a16="http://schemas.microsoft.com/office/drawing/2014/main" id="{A6915C96-1E20-9CD8-AC56-99DF4970D23A}"/>
+                <a16:creationId xmlns:a16="http://schemas.microsoft.com/office/drawing/2014/main" id="{1CC409CA-D3C1-681A-CA9E-047955383434}"/>
               </a:ext>
             </a:extLst>
           </p:cNvPr>
@@ -377,7 +377,7 @@
           <p:cNvPr id="3" name="竖排文字占位符 2">
             <a:extLst>
               <a:ext uri="{FF2B5EF4-FFF2-40B4-BE49-F238E27FC236}">
-                <a16:creationId xmlns:a16="http://schemas.microsoft.com/office/drawing/2014/main" id="{9C423190-044C-8DDA-940A-94D0D251D0CD}"/>
+                <a16:creationId xmlns:a16="http://schemas.microsoft.com/office/drawing/2014/main" id="{DFAD8FFE-D648-59EB-9C7C-5A9A96E14AF8}"/>
               </a:ext>
             </a:extLst>
           </p:cNvPr>
@@ -434,7 +434,7 @@
           <p:cNvPr id="4" name="日期占位符 3">
             <a:extLst>
               <a:ext uri="{FF2B5EF4-FFF2-40B4-BE49-F238E27FC236}">
-                <a16:creationId xmlns:a16="http://schemas.microsoft.com/office/drawing/2014/main" id="{C2627230-58F4-2A88-DFA3-4DF84E8B5B32}"/>
+                <a16:creationId xmlns:a16="http://schemas.microsoft.com/office/drawing/2014/main" id="{891948F4-318A-986D-1284-C66D88BE2B33}"/>
               </a:ext>
             </a:extLst>
           </p:cNvPr>
@@ -450,7 +450,7 @@
           <a:bodyPr/>
           <a:lstStyle/>
           <a:p>
-            <a:fld id="{A4DF2631-DCB3-44C8-8085-D538DBD2AC07}" type="datetimeFigureOut">
+            <a:fld id="{0062A487-BE40-4A9A-B64B-CFD0F7F73EB6}" type="datetimeFigureOut">
               <a:rPr lang="zh-CN" altLang="en-US" smtClean="0"/>
               <a:t>2024/3/10</a:t>
             </a:fld>
@@ -463,7 +463,7 @@
           <p:cNvPr id="5" name="页脚占位符 4">
             <a:extLst>
               <a:ext uri="{FF2B5EF4-FFF2-40B4-BE49-F238E27FC236}">
-                <a16:creationId xmlns:a16="http://schemas.microsoft.com/office/drawing/2014/main" id="{1E3B677B-F8E7-9A6E-4436-564F42470C55}"/>
+                <a16:creationId xmlns:a16="http://schemas.microsoft.com/office/drawing/2014/main" id="{1A92A191-334B-C081-35EC-8E1BFBB443B5}"/>
               </a:ext>
             </a:extLst>
           </p:cNvPr>
@@ -488,7 +488,7 @@
           <p:cNvPr id="6" name="灯片编号占位符 5">
             <a:extLst>
               <a:ext uri="{FF2B5EF4-FFF2-40B4-BE49-F238E27FC236}">
-                <a16:creationId xmlns:a16="http://schemas.microsoft.com/office/drawing/2014/main" id="{4B36E1F5-1FE4-DF8F-A1D8-CD5CD1A2F6C7}"/>
+                <a16:creationId xmlns:a16="http://schemas.microsoft.com/office/drawing/2014/main" id="{86343F9B-76E0-E112-C03A-318D2D36C3B3}"/>
               </a:ext>
             </a:extLst>
           </p:cNvPr>
@@ -504,7 +504,7 @@
           <a:bodyPr/>
           <a:lstStyle/>
           <a:p>
-            <a:fld id="{CF125FC8-11CF-4167-98E8-6712B32B1ACC}" type="slidenum">
+            <a:fld id="{DA44BFEB-A075-4ABD-B3CE-CF2314BF81AE}" type="slidenum">
               <a:rPr lang="zh-CN" altLang="en-US" smtClean="0"/>
               <a:t>‹#›</a:t>
             </a:fld>
@@ -515,7 +515,7 @@
     </p:spTree>
     <p:extLst>
       <p:ext uri="{BB962C8B-B14F-4D97-AF65-F5344CB8AC3E}">
-        <p14:creationId xmlns:p14="http://schemas.microsoft.com/office/powerpoint/2010/main" val="759672993"/>
+        <p14:creationId xmlns:p14="http://schemas.microsoft.com/office/powerpoint/2010/main" val="2613424740"/>
       </p:ext>
     </p:extLst>
   </p:cSld>
@@ -547,7 +547,7 @@
           <p:cNvPr id="2" name="竖排标题 1">
             <a:extLst>
               <a:ext uri="{FF2B5EF4-FFF2-40B4-BE49-F238E27FC236}">
-                <a16:creationId xmlns:a16="http://schemas.microsoft.com/office/drawing/2014/main" id="{031A4CC8-2749-35EC-C63E-D42248CED314}"/>
+                <a16:creationId xmlns:a16="http://schemas.microsoft.com/office/drawing/2014/main" id="{A444A02E-312F-2DDE-F995-4730990C2AA4}"/>
               </a:ext>
             </a:extLst>
           </p:cNvPr>
@@ -580,7 +580,7 @@
           <p:cNvPr id="3" name="竖排文字占位符 2">
             <a:extLst>
               <a:ext uri="{FF2B5EF4-FFF2-40B4-BE49-F238E27FC236}">
-                <a16:creationId xmlns:a16="http://schemas.microsoft.com/office/drawing/2014/main" id="{7F7C8E40-C4A9-301B-0A4F-D282A523B50D}"/>
+                <a16:creationId xmlns:a16="http://schemas.microsoft.com/office/drawing/2014/main" id="{47C4EDEE-E47C-1E9D-FD17-B32749810D62}"/>
               </a:ext>
             </a:extLst>
           </p:cNvPr>
@@ -642,7 +642,7 @@
           <p:cNvPr id="4" name="日期占位符 3">
             <a:extLst>
               <a:ext uri="{FF2B5EF4-FFF2-40B4-BE49-F238E27FC236}">
-                <a16:creationId xmlns:a16="http://schemas.microsoft.com/office/drawing/2014/main" id="{8E8BC1C5-97D9-066C-3D40-91706E4E2CFA}"/>
+                <a16:creationId xmlns:a16="http://schemas.microsoft.com/office/drawing/2014/main" id="{6D7BFA4F-0D2A-37F2-99E2-3DE50519BFC1}"/>
               </a:ext>
             </a:extLst>
           </p:cNvPr>
@@ -658,7 +658,7 @@
           <a:bodyPr/>
           <a:lstStyle/>
           <a:p>
-            <a:fld id="{A4DF2631-DCB3-44C8-8085-D538DBD2AC07}" type="datetimeFigureOut">
+            <a:fld id="{0062A487-BE40-4A9A-B64B-CFD0F7F73EB6}" type="datetimeFigureOut">
               <a:rPr lang="zh-CN" altLang="en-US" smtClean="0"/>
               <a:t>2024/3/10</a:t>
             </a:fld>
@@ -671,7 +671,7 @@
           <p:cNvPr id="5" name="页脚占位符 4">
             <a:extLst>
               <a:ext uri="{FF2B5EF4-FFF2-40B4-BE49-F238E27FC236}">
-                <a16:creationId xmlns:a16="http://schemas.microsoft.com/office/drawing/2014/main" id="{3B1719BE-CB14-EE97-0E76-A17DE3E6961F}"/>
+                <a16:creationId xmlns:a16="http://schemas.microsoft.com/office/drawing/2014/main" id="{3AA482E6-CBA3-7176-DB6B-5773BFC8AFA8}"/>
               </a:ext>
             </a:extLst>
           </p:cNvPr>
@@ -696,7 +696,7 @@
           <p:cNvPr id="6" name="灯片编号占位符 5">
             <a:extLst>
               <a:ext uri="{FF2B5EF4-FFF2-40B4-BE49-F238E27FC236}">
-                <a16:creationId xmlns:a16="http://schemas.microsoft.com/office/drawing/2014/main" id="{3F996AA0-F4B8-BD88-8C6D-5D97CDFE0935}"/>
+                <a16:creationId xmlns:a16="http://schemas.microsoft.com/office/drawing/2014/main" id="{E107A851-EBB7-0D4C-647B-E335A095367F}"/>
               </a:ext>
             </a:extLst>
           </p:cNvPr>
@@ -712,7 +712,7 @@
           <a:bodyPr/>
           <a:lstStyle/>
           <a:p>
-            <a:fld id="{CF125FC8-11CF-4167-98E8-6712B32B1ACC}" type="slidenum">
+            <a:fld id="{DA44BFEB-A075-4ABD-B3CE-CF2314BF81AE}" type="slidenum">
               <a:rPr lang="zh-CN" altLang="en-US" smtClean="0"/>
               <a:t>‹#›</a:t>
             </a:fld>
@@ -723,7 +723,7 @@
     </p:spTree>
     <p:extLst>
       <p:ext uri="{BB962C8B-B14F-4D97-AF65-F5344CB8AC3E}">
-        <p14:creationId xmlns:p14="http://schemas.microsoft.com/office/powerpoint/2010/main" val="3723536089"/>
+        <p14:creationId xmlns:p14="http://schemas.microsoft.com/office/powerpoint/2010/main" val="2419588319"/>
       </p:ext>
     </p:extLst>
   </p:cSld>
@@ -755,7 +755,7 @@
           <p:cNvPr id="2" name="标题 1">
             <a:extLst>
               <a:ext uri="{FF2B5EF4-FFF2-40B4-BE49-F238E27FC236}">
-                <a16:creationId xmlns:a16="http://schemas.microsoft.com/office/drawing/2014/main" id="{204CB9DF-0617-DAD5-AA02-7E673B6602D0}"/>
+                <a16:creationId xmlns:a16="http://schemas.microsoft.com/office/drawing/2014/main" id="{4EDCBDAC-7A99-5F96-76D8-6BCE394E0EA5}"/>
               </a:ext>
             </a:extLst>
           </p:cNvPr>
@@ -783,7 +783,7 @@
           <p:cNvPr id="3" name="内容占位符 2">
             <a:extLst>
               <a:ext uri="{FF2B5EF4-FFF2-40B4-BE49-F238E27FC236}">
-                <a16:creationId xmlns:a16="http://schemas.microsoft.com/office/drawing/2014/main" id="{83B7E1B9-7839-DA2D-07B0-DEA52AEB4617}"/>
+                <a16:creationId xmlns:a16="http://schemas.microsoft.com/office/drawing/2014/main" id="{0B9BD376-7A05-53E8-739B-E70A81D91367}"/>
               </a:ext>
             </a:extLst>
           </p:cNvPr>
@@ -840,7 +840,7 @@
           <p:cNvPr id="4" name="日期占位符 3">
             <a:extLst>
               <a:ext uri="{FF2B5EF4-FFF2-40B4-BE49-F238E27FC236}">
-                <a16:creationId xmlns:a16="http://schemas.microsoft.com/office/drawing/2014/main" id="{8F842EF9-5139-BDB5-34CF-260484449487}"/>
+                <a16:creationId xmlns:a16="http://schemas.microsoft.com/office/drawing/2014/main" id="{D9E959BB-5685-9B1D-5443-FBBCD6C133E8}"/>
               </a:ext>
             </a:extLst>
           </p:cNvPr>
@@ -856,7 +856,7 @@
           <a:bodyPr/>
           <a:lstStyle/>
           <a:p>
-            <a:fld id="{A4DF2631-DCB3-44C8-8085-D538DBD2AC07}" type="datetimeFigureOut">
+            <a:fld id="{0062A487-BE40-4A9A-B64B-CFD0F7F73EB6}" type="datetimeFigureOut">
               <a:rPr lang="zh-CN" altLang="en-US" smtClean="0"/>
               <a:t>2024/3/10</a:t>
             </a:fld>
@@ -869,7 +869,7 @@
           <p:cNvPr id="5" name="页脚占位符 4">
             <a:extLst>
               <a:ext uri="{FF2B5EF4-FFF2-40B4-BE49-F238E27FC236}">
-                <a16:creationId xmlns:a16="http://schemas.microsoft.com/office/drawing/2014/main" id="{074D7668-0F0F-743D-7028-B4B7457F6BD3}"/>
+                <a16:creationId xmlns:a16="http://schemas.microsoft.com/office/drawing/2014/main" id="{020970A7-DF7C-947B-C780-CF246E2BECE2}"/>
               </a:ext>
             </a:extLst>
           </p:cNvPr>
@@ -894,7 +894,7 @@
           <p:cNvPr id="6" name="灯片编号占位符 5">
             <a:extLst>
               <a:ext uri="{FF2B5EF4-FFF2-40B4-BE49-F238E27FC236}">
-                <a16:creationId xmlns:a16="http://schemas.microsoft.com/office/drawing/2014/main" id="{D211F8DF-1007-2587-9B96-323F8B8AD454}"/>
+                <a16:creationId xmlns:a16="http://schemas.microsoft.com/office/drawing/2014/main" id="{0D06C0FF-5F63-810C-CD25-7D60C9C72A28}"/>
               </a:ext>
             </a:extLst>
           </p:cNvPr>
@@ -910,7 +910,7 @@
           <a:bodyPr/>
           <a:lstStyle/>
           <a:p>
-            <a:fld id="{CF125FC8-11CF-4167-98E8-6712B32B1ACC}" type="slidenum">
+            <a:fld id="{DA44BFEB-A075-4ABD-B3CE-CF2314BF81AE}" type="slidenum">
               <a:rPr lang="zh-CN" altLang="en-US" smtClean="0"/>
               <a:t>‹#›</a:t>
             </a:fld>
@@ -921,7 +921,7 @@
     </p:spTree>
     <p:extLst>
       <p:ext uri="{BB962C8B-B14F-4D97-AF65-F5344CB8AC3E}">
-        <p14:creationId xmlns:p14="http://schemas.microsoft.com/office/powerpoint/2010/main" val="2368980262"/>
+        <p14:creationId xmlns:p14="http://schemas.microsoft.com/office/powerpoint/2010/main" val="4236563821"/>
       </p:ext>
     </p:extLst>
   </p:cSld>
@@ -953,7 +953,7 @@
           <p:cNvPr id="2" name="标题 1">
             <a:extLst>
               <a:ext uri="{FF2B5EF4-FFF2-40B4-BE49-F238E27FC236}">
-                <a16:creationId xmlns:a16="http://schemas.microsoft.com/office/drawing/2014/main" id="{EE2802F4-BF14-F0F7-4430-D0B0C5BA87B6}"/>
+                <a16:creationId xmlns:a16="http://schemas.microsoft.com/office/drawing/2014/main" id="{7CA177E1-12BA-3AC1-D3F9-8D49CAD3104B}"/>
               </a:ext>
             </a:extLst>
           </p:cNvPr>
@@ -990,7 +990,7 @@
           <p:cNvPr id="3" name="文本占位符 2">
             <a:extLst>
               <a:ext uri="{FF2B5EF4-FFF2-40B4-BE49-F238E27FC236}">
-                <a16:creationId xmlns:a16="http://schemas.microsoft.com/office/drawing/2014/main" id="{4F2D73FF-3752-EF0A-0C89-33514A1C5D47}"/>
+                <a16:creationId xmlns:a16="http://schemas.microsoft.com/office/drawing/2014/main" id="{93104CC2-C817-0475-2810-2C11FB1E7A17}"/>
               </a:ext>
             </a:extLst>
           </p:cNvPr>
@@ -1115,7 +1115,7 @@
           <p:cNvPr id="4" name="日期占位符 3">
             <a:extLst>
               <a:ext uri="{FF2B5EF4-FFF2-40B4-BE49-F238E27FC236}">
-                <a16:creationId xmlns:a16="http://schemas.microsoft.com/office/drawing/2014/main" id="{8A35D77D-6858-0B49-0163-99A11D051F8B}"/>
+                <a16:creationId xmlns:a16="http://schemas.microsoft.com/office/drawing/2014/main" id="{5206B347-8676-788A-BAC9-6A780DBE5676}"/>
               </a:ext>
             </a:extLst>
           </p:cNvPr>
@@ -1131,7 +1131,7 @@
           <a:bodyPr/>
           <a:lstStyle/>
           <a:p>
-            <a:fld id="{A4DF2631-DCB3-44C8-8085-D538DBD2AC07}" type="datetimeFigureOut">
+            <a:fld id="{0062A487-BE40-4A9A-B64B-CFD0F7F73EB6}" type="datetimeFigureOut">
               <a:rPr lang="zh-CN" altLang="en-US" smtClean="0"/>
               <a:t>2024/3/10</a:t>
             </a:fld>
@@ -1144,7 +1144,7 @@
           <p:cNvPr id="5" name="页脚占位符 4">
             <a:extLst>
               <a:ext uri="{FF2B5EF4-FFF2-40B4-BE49-F238E27FC236}">
-                <a16:creationId xmlns:a16="http://schemas.microsoft.com/office/drawing/2014/main" id="{F0ACCE0A-DEB0-0B90-9249-0C2AD8193911}"/>
+                <a16:creationId xmlns:a16="http://schemas.microsoft.com/office/drawing/2014/main" id="{E810A07F-4556-B66F-04E2-75CEE01A1EF2}"/>
               </a:ext>
             </a:extLst>
           </p:cNvPr>
@@ -1169,7 +1169,7 @@
           <p:cNvPr id="6" name="灯片编号占位符 5">
             <a:extLst>
               <a:ext uri="{FF2B5EF4-FFF2-40B4-BE49-F238E27FC236}">
-                <a16:creationId xmlns:a16="http://schemas.microsoft.com/office/drawing/2014/main" id="{11EFB888-83FA-4DB7-628B-587EAD69D702}"/>
+                <a16:creationId xmlns:a16="http://schemas.microsoft.com/office/drawing/2014/main" id="{29FD0FFE-8D96-A67E-6154-4FFD58FE6F6E}"/>
               </a:ext>
             </a:extLst>
           </p:cNvPr>
@@ -1185,7 +1185,7 @@
           <a:bodyPr/>
           <a:lstStyle/>
           <a:p>
-            <a:fld id="{CF125FC8-11CF-4167-98E8-6712B32B1ACC}" type="slidenum">
+            <a:fld id="{DA44BFEB-A075-4ABD-B3CE-CF2314BF81AE}" type="slidenum">
               <a:rPr lang="zh-CN" altLang="en-US" smtClean="0"/>
               <a:t>‹#›</a:t>
             </a:fld>
@@ -1196,7 +1196,7 @@
     </p:spTree>
     <p:extLst>
       <p:ext uri="{BB962C8B-B14F-4D97-AF65-F5344CB8AC3E}">
-        <p14:creationId xmlns:p14="http://schemas.microsoft.com/office/powerpoint/2010/main" val="362469651"/>
+        <p14:creationId xmlns:p14="http://schemas.microsoft.com/office/powerpoint/2010/main" val="2368293748"/>
       </p:ext>
     </p:extLst>
   </p:cSld>
@@ -1228,7 +1228,7 @@
           <p:cNvPr id="2" name="标题 1">
             <a:extLst>
               <a:ext uri="{FF2B5EF4-FFF2-40B4-BE49-F238E27FC236}">
-                <a16:creationId xmlns:a16="http://schemas.microsoft.com/office/drawing/2014/main" id="{31687FEE-7DCC-7EEE-4F66-B33C3E857594}"/>
+                <a16:creationId xmlns:a16="http://schemas.microsoft.com/office/drawing/2014/main" id="{FFDE6C09-BCAA-1FD1-FC98-0B6B1E35C212}"/>
               </a:ext>
             </a:extLst>
           </p:cNvPr>
@@ -1256,7 +1256,7 @@
           <p:cNvPr id="3" name="内容占位符 2">
             <a:extLst>
               <a:ext uri="{FF2B5EF4-FFF2-40B4-BE49-F238E27FC236}">
-                <a16:creationId xmlns:a16="http://schemas.microsoft.com/office/drawing/2014/main" id="{559FC142-C285-D393-8CE3-337656ADBF86}"/>
+                <a16:creationId xmlns:a16="http://schemas.microsoft.com/office/drawing/2014/main" id="{B6215085-2FE2-6592-2644-BFD2F95D6C48}"/>
               </a:ext>
             </a:extLst>
           </p:cNvPr>
@@ -1318,7 +1318,7 @@
           <p:cNvPr id="4" name="内容占位符 3">
             <a:extLst>
               <a:ext uri="{FF2B5EF4-FFF2-40B4-BE49-F238E27FC236}">
-                <a16:creationId xmlns:a16="http://schemas.microsoft.com/office/drawing/2014/main" id="{D62483AA-D2FE-A0D1-B795-4C3E837ACD07}"/>
+                <a16:creationId xmlns:a16="http://schemas.microsoft.com/office/drawing/2014/main" id="{2E3BAE7E-4D91-ED14-3DB6-42C8A2D5D8CD}"/>
               </a:ext>
             </a:extLst>
           </p:cNvPr>
@@ -1380,7 +1380,7 @@
           <p:cNvPr id="5" name="日期占位符 4">
             <a:extLst>
               <a:ext uri="{FF2B5EF4-FFF2-40B4-BE49-F238E27FC236}">
-                <a16:creationId xmlns:a16="http://schemas.microsoft.com/office/drawing/2014/main" id="{BFA91687-F88F-2B57-D263-124EC1BAA7D0}"/>
+                <a16:creationId xmlns:a16="http://schemas.microsoft.com/office/drawing/2014/main" id="{F7CCEDB8-6ECB-3BA2-6039-FEA728092CA2}"/>
               </a:ext>
             </a:extLst>
           </p:cNvPr>
@@ -1396,7 +1396,7 @@
           <a:bodyPr/>
           <a:lstStyle/>
           <a:p>
-            <a:fld id="{A4DF2631-DCB3-44C8-8085-D538DBD2AC07}" type="datetimeFigureOut">
+            <a:fld id="{0062A487-BE40-4A9A-B64B-CFD0F7F73EB6}" type="datetimeFigureOut">
               <a:rPr lang="zh-CN" altLang="en-US" smtClean="0"/>
               <a:t>2024/3/10</a:t>
             </a:fld>
@@ -1409,7 +1409,7 @@
           <p:cNvPr id="6" name="页脚占位符 5">
             <a:extLst>
               <a:ext uri="{FF2B5EF4-FFF2-40B4-BE49-F238E27FC236}">
-                <a16:creationId xmlns:a16="http://schemas.microsoft.com/office/drawing/2014/main" id="{FE4E44F8-C372-6AD9-5F65-A03D956958DB}"/>
+                <a16:creationId xmlns:a16="http://schemas.microsoft.com/office/drawing/2014/main" id="{5F86C060-1290-EFD4-DDD8-24AC362260C2}"/>
               </a:ext>
             </a:extLst>
           </p:cNvPr>
@@ -1434,7 +1434,7 @@
           <p:cNvPr id="7" name="灯片编号占位符 6">
             <a:extLst>
               <a:ext uri="{FF2B5EF4-FFF2-40B4-BE49-F238E27FC236}">
-                <a16:creationId xmlns:a16="http://schemas.microsoft.com/office/drawing/2014/main" id="{AFC61438-2D2B-C777-7F3A-66BDEE51473F}"/>
+                <a16:creationId xmlns:a16="http://schemas.microsoft.com/office/drawing/2014/main" id="{A982EF09-B2F3-3308-09EE-0881FB17ADBA}"/>
               </a:ext>
             </a:extLst>
           </p:cNvPr>
@@ -1450,7 +1450,7 @@
           <a:bodyPr/>
           <a:lstStyle/>
           <a:p>
-            <a:fld id="{CF125FC8-11CF-4167-98E8-6712B32B1ACC}" type="slidenum">
+            <a:fld id="{DA44BFEB-A075-4ABD-B3CE-CF2314BF81AE}" type="slidenum">
               <a:rPr lang="zh-CN" altLang="en-US" smtClean="0"/>
               <a:t>‹#›</a:t>
             </a:fld>
@@ -1461,7 +1461,7 @@
     </p:spTree>
     <p:extLst>
       <p:ext uri="{BB962C8B-B14F-4D97-AF65-F5344CB8AC3E}">
-        <p14:creationId xmlns:p14="http://schemas.microsoft.com/office/powerpoint/2010/main" val="3472897405"/>
+        <p14:creationId xmlns:p14="http://schemas.microsoft.com/office/powerpoint/2010/main" val="1258129308"/>
       </p:ext>
     </p:extLst>
   </p:cSld>
@@ -1493,7 +1493,7 @@
           <p:cNvPr id="2" name="标题 1">
             <a:extLst>
               <a:ext uri="{FF2B5EF4-FFF2-40B4-BE49-F238E27FC236}">
-                <a16:creationId xmlns:a16="http://schemas.microsoft.com/office/drawing/2014/main" id="{B5628BD7-DE64-A661-3F46-4295C52EAFFD}"/>
+                <a16:creationId xmlns:a16="http://schemas.microsoft.com/office/drawing/2014/main" id="{DC4FD0AC-2376-5D41-645A-3DA760EDB249}"/>
               </a:ext>
             </a:extLst>
           </p:cNvPr>
@@ -1526,7 +1526,7 @@
           <p:cNvPr id="3" name="文本占位符 2">
             <a:extLst>
               <a:ext uri="{FF2B5EF4-FFF2-40B4-BE49-F238E27FC236}">
-                <a16:creationId xmlns:a16="http://schemas.microsoft.com/office/drawing/2014/main" id="{0D671E72-079E-D7C0-73C6-71F23670FE14}"/>
+                <a16:creationId xmlns:a16="http://schemas.microsoft.com/office/drawing/2014/main" id="{B444511D-E987-046C-3D2B-0B966B68AED0}"/>
               </a:ext>
             </a:extLst>
           </p:cNvPr>
@@ -1597,7 +1597,7 @@
           <p:cNvPr id="4" name="内容占位符 3">
             <a:extLst>
               <a:ext uri="{FF2B5EF4-FFF2-40B4-BE49-F238E27FC236}">
-                <a16:creationId xmlns:a16="http://schemas.microsoft.com/office/drawing/2014/main" id="{1ABDDCCD-E7F9-EFF7-C123-F7C8FCD1FBC6}"/>
+                <a16:creationId xmlns:a16="http://schemas.microsoft.com/office/drawing/2014/main" id="{189C0C7F-0EE9-0968-71BA-232C7807F384}"/>
               </a:ext>
             </a:extLst>
           </p:cNvPr>
@@ -1659,7 +1659,7 @@
           <p:cNvPr id="5" name="文本占位符 4">
             <a:extLst>
               <a:ext uri="{FF2B5EF4-FFF2-40B4-BE49-F238E27FC236}">
-                <a16:creationId xmlns:a16="http://schemas.microsoft.com/office/drawing/2014/main" id="{2549EFD0-E9BE-1A9D-F908-B29CEF219A71}"/>
+                <a16:creationId xmlns:a16="http://schemas.microsoft.com/office/drawing/2014/main" id="{27B8DC30-18A1-5928-F839-7EF0C0E8FEB6}"/>
               </a:ext>
             </a:extLst>
           </p:cNvPr>
@@ -1730,7 +1730,7 @@
           <p:cNvPr id="6" name="内容占位符 5">
             <a:extLst>
               <a:ext uri="{FF2B5EF4-FFF2-40B4-BE49-F238E27FC236}">
-                <a16:creationId xmlns:a16="http://schemas.microsoft.com/office/drawing/2014/main" id="{41CC1374-64BF-7726-70FE-3639F4DCC70B}"/>
+                <a16:creationId xmlns:a16="http://schemas.microsoft.com/office/drawing/2014/main" id="{E6D9D5E0-7457-DE87-3B31-359C7AB7AC49}"/>
               </a:ext>
             </a:extLst>
           </p:cNvPr>
@@ -1792,7 +1792,7 @@
           <p:cNvPr id="7" name="日期占位符 6">
             <a:extLst>
               <a:ext uri="{FF2B5EF4-FFF2-40B4-BE49-F238E27FC236}">
-                <a16:creationId xmlns:a16="http://schemas.microsoft.com/office/drawing/2014/main" id="{65EB6A13-6C91-71F3-61D7-5A565023F67D}"/>
+                <a16:creationId xmlns:a16="http://schemas.microsoft.com/office/drawing/2014/main" id="{1483E02E-6E71-D33F-10FD-341253374E9D}"/>
               </a:ext>
             </a:extLst>
           </p:cNvPr>
@@ -1808,7 +1808,7 @@
           <a:bodyPr/>
           <a:lstStyle/>
           <a:p>
-            <a:fld id="{A4DF2631-DCB3-44C8-8085-D538DBD2AC07}" type="datetimeFigureOut">
+            <a:fld id="{0062A487-BE40-4A9A-B64B-CFD0F7F73EB6}" type="datetimeFigureOut">
               <a:rPr lang="zh-CN" altLang="en-US" smtClean="0"/>
               <a:t>2024/3/10</a:t>
             </a:fld>
@@ -1821,7 +1821,7 @@
           <p:cNvPr id="8" name="页脚占位符 7">
             <a:extLst>
               <a:ext uri="{FF2B5EF4-FFF2-40B4-BE49-F238E27FC236}">
-                <a16:creationId xmlns:a16="http://schemas.microsoft.com/office/drawing/2014/main" id="{C5FF2CDA-B4B5-2598-BA50-2A311D0C6462}"/>
+                <a16:creationId xmlns:a16="http://schemas.microsoft.com/office/drawing/2014/main" id="{A34B69B2-3ACF-847A-6F12-6C5160F979B0}"/>
               </a:ext>
             </a:extLst>
           </p:cNvPr>
@@ -1846,7 +1846,7 @@
           <p:cNvPr id="9" name="灯片编号占位符 8">
             <a:extLst>
               <a:ext uri="{FF2B5EF4-FFF2-40B4-BE49-F238E27FC236}">
-                <a16:creationId xmlns:a16="http://schemas.microsoft.com/office/drawing/2014/main" id="{4B7FA8C6-6D01-1D72-2050-B0BC8D766177}"/>
+                <a16:creationId xmlns:a16="http://schemas.microsoft.com/office/drawing/2014/main" id="{708C30F7-1983-8E31-FC57-528BBF66F1A3}"/>
               </a:ext>
             </a:extLst>
           </p:cNvPr>
@@ -1862,7 +1862,7 @@
           <a:bodyPr/>
           <a:lstStyle/>
           <a:p>
-            <a:fld id="{CF125FC8-11CF-4167-98E8-6712B32B1ACC}" type="slidenum">
+            <a:fld id="{DA44BFEB-A075-4ABD-B3CE-CF2314BF81AE}" type="slidenum">
               <a:rPr lang="zh-CN" altLang="en-US" smtClean="0"/>
               <a:t>‹#›</a:t>
             </a:fld>
@@ -1873,7 +1873,7 @@
     </p:spTree>
     <p:extLst>
       <p:ext uri="{BB962C8B-B14F-4D97-AF65-F5344CB8AC3E}">
-        <p14:creationId xmlns:p14="http://schemas.microsoft.com/office/powerpoint/2010/main" val="1467141319"/>
+        <p14:creationId xmlns:p14="http://schemas.microsoft.com/office/powerpoint/2010/main" val="4269371768"/>
       </p:ext>
     </p:extLst>
   </p:cSld>
@@ -1905,7 +1905,7 @@
           <p:cNvPr id="2" name="标题 1">
             <a:extLst>
               <a:ext uri="{FF2B5EF4-FFF2-40B4-BE49-F238E27FC236}">
-                <a16:creationId xmlns:a16="http://schemas.microsoft.com/office/drawing/2014/main" id="{268D646A-41FF-8539-CFAF-0E174AC9E65B}"/>
+                <a16:creationId xmlns:a16="http://schemas.microsoft.com/office/drawing/2014/main" id="{72AC12DD-D0B1-AA16-409E-651B43EFFC99}"/>
               </a:ext>
             </a:extLst>
           </p:cNvPr>
@@ -1933,7 +1933,7 @@
           <p:cNvPr id="3" name="日期占位符 2">
             <a:extLst>
               <a:ext uri="{FF2B5EF4-FFF2-40B4-BE49-F238E27FC236}">
-                <a16:creationId xmlns:a16="http://schemas.microsoft.com/office/drawing/2014/main" id="{9E23077D-7CB3-056F-167B-5038C39AD95F}"/>
+                <a16:creationId xmlns:a16="http://schemas.microsoft.com/office/drawing/2014/main" id="{A6A5344E-3358-1B18-B0D1-13C52A986D30}"/>
               </a:ext>
             </a:extLst>
           </p:cNvPr>
@@ -1949,7 +1949,7 @@
           <a:bodyPr/>
           <a:lstStyle/>
           <a:p>
-            <a:fld id="{A4DF2631-DCB3-44C8-8085-D538DBD2AC07}" type="datetimeFigureOut">
+            <a:fld id="{0062A487-BE40-4A9A-B64B-CFD0F7F73EB6}" type="datetimeFigureOut">
               <a:rPr lang="zh-CN" altLang="en-US" smtClean="0"/>
               <a:t>2024/3/10</a:t>
             </a:fld>
@@ -1962,7 +1962,7 @@
           <p:cNvPr id="4" name="页脚占位符 3">
             <a:extLst>
               <a:ext uri="{FF2B5EF4-FFF2-40B4-BE49-F238E27FC236}">
-                <a16:creationId xmlns:a16="http://schemas.microsoft.com/office/drawing/2014/main" id="{BAD30294-6374-1099-FBA9-1B150734318E}"/>
+                <a16:creationId xmlns:a16="http://schemas.microsoft.com/office/drawing/2014/main" id="{7A27B06E-C7DA-D1EC-A1B5-93B1360B140B}"/>
               </a:ext>
             </a:extLst>
           </p:cNvPr>
@@ -1987,7 +1987,7 @@
           <p:cNvPr id="5" name="灯片编号占位符 4">
             <a:extLst>
               <a:ext uri="{FF2B5EF4-FFF2-40B4-BE49-F238E27FC236}">
-                <a16:creationId xmlns:a16="http://schemas.microsoft.com/office/drawing/2014/main" id="{E70ABEF7-0466-1DDD-56CF-5E6CB36D09E9}"/>
+                <a16:creationId xmlns:a16="http://schemas.microsoft.com/office/drawing/2014/main" id="{8E844088-DCE2-A0FB-B8A2-3E7C68531F6C}"/>
               </a:ext>
             </a:extLst>
           </p:cNvPr>
@@ -2003,7 +2003,7 @@
           <a:bodyPr/>
           <a:lstStyle/>
           <a:p>
-            <a:fld id="{CF125FC8-11CF-4167-98E8-6712B32B1ACC}" type="slidenum">
+            <a:fld id="{DA44BFEB-A075-4ABD-B3CE-CF2314BF81AE}" type="slidenum">
               <a:rPr lang="zh-CN" altLang="en-US" smtClean="0"/>
               <a:t>‹#›</a:t>
             </a:fld>
@@ -2014,7 +2014,7 @@
     </p:spTree>
     <p:extLst>
       <p:ext uri="{BB962C8B-B14F-4D97-AF65-F5344CB8AC3E}">
-        <p14:creationId xmlns:p14="http://schemas.microsoft.com/office/powerpoint/2010/main" val="665824456"/>
+        <p14:creationId xmlns:p14="http://schemas.microsoft.com/office/powerpoint/2010/main" val="3285211511"/>
       </p:ext>
     </p:extLst>
   </p:cSld>
@@ -2046,7 +2046,7 @@
           <p:cNvPr id="2" name="日期占位符 1">
             <a:extLst>
               <a:ext uri="{FF2B5EF4-FFF2-40B4-BE49-F238E27FC236}">
-                <a16:creationId xmlns:a16="http://schemas.microsoft.com/office/drawing/2014/main" id="{C9145291-43CA-48D5-5AC7-113ABEF4B0F0}"/>
+                <a16:creationId xmlns:a16="http://schemas.microsoft.com/office/drawing/2014/main" id="{6AD800F9-D7C6-3722-D9CE-CEF6D30CFF45}"/>
               </a:ext>
             </a:extLst>
           </p:cNvPr>
@@ -2062,7 +2062,7 @@
           <a:bodyPr/>
           <a:lstStyle/>
           <a:p>
-            <a:fld id="{A4DF2631-DCB3-44C8-8085-D538DBD2AC07}" type="datetimeFigureOut">
+            <a:fld id="{0062A487-BE40-4A9A-B64B-CFD0F7F73EB6}" type="datetimeFigureOut">
               <a:rPr lang="zh-CN" altLang="en-US" smtClean="0"/>
               <a:t>2024/3/10</a:t>
             </a:fld>
@@ -2075,7 +2075,7 @@
           <p:cNvPr id="3" name="页脚占位符 2">
             <a:extLst>
               <a:ext uri="{FF2B5EF4-FFF2-40B4-BE49-F238E27FC236}">
-                <a16:creationId xmlns:a16="http://schemas.microsoft.com/office/drawing/2014/main" id="{860597D9-E300-6A4F-1F15-7D530D588301}"/>
+                <a16:creationId xmlns:a16="http://schemas.microsoft.com/office/drawing/2014/main" id="{25AD3B04-0FAC-E58E-FF3E-0DBC5898ECDF}"/>
               </a:ext>
             </a:extLst>
           </p:cNvPr>
@@ -2100,7 +2100,7 @@
           <p:cNvPr id="4" name="灯片编号占位符 3">
             <a:extLst>
               <a:ext uri="{FF2B5EF4-FFF2-40B4-BE49-F238E27FC236}">
-                <a16:creationId xmlns:a16="http://schemas.microsoft.com/office/drawing/2014/main" id="{2CF4A78A-D9A4-1178-4275-943B6EA95887}"/>
+                <a16:creationId xmlns:a16="http://schemas.microsoft.com/office/drawing/2014/main" id="{436B3264-4AE5-C2FE-8106-C998F057A1F8}"/>
               </a:ext>
             </a:extLst>
           </p:cNvPr>
@@ -2116,7 +2116,7 @@
           <a:bodyPr/>
           <a:lstStyle/>
           <a:p>
-            <a:fld id="{CF125FC8-11CF-4167-98E8-6712B32B1ACC}" type="slidenum">
+            <a:fld id="{DA44BFEB-A075-4ABD-B3CE-CF2314BF81AE}" type="slidenum">
               <a:rPr lang="zh-CN" altLang="en-US" smtClean="0"/>
               <a:t>‹#›</a:t>
             </a:fld>
@@ -2127,7 +2127,7 @@
     </p:spTree>
     <p:extLst>
       <p:ext uri="{BB962C8B-B14F-4D97-AF65-F5344CB8AC3E}">
-        <p14:creationId xmlns:p14="http://schemas.microsoft.com/office/powerpoint/2010/main" val="561415277"/>
+        <p14:creationId xmlns:p14="http://schemas.microsoft.com/office/powerpoint/2010/main" val="689844475"/>
       </p:ext>
     </p:extLst>
   </p:cSld>
@@ -2159,7 +2159,7 @@
           <p:cNvPr id="2" name="标题 1">
             <a:extLst>
               <a:ext uri="{FF2B5EF4-FFF2-40B4-BE49-F238E27FC236}">
-                <a16:creationId xmlns:a16="http://schemas.microsoft.com/office/drawing/2014/main" id="{E0316363-02BE-563B-BBFC-3CE80D6839BB}"/>
+                <a16:creationId xmlns:a16="http://schemas.microsoft.com/office/drawing/2014/main" id="{5E132050-B9E3-5A43-BE65-F5DB0C340E76}"/>
               </a:ext>
             </a:extLst>
           </p:cNvPr>
@@ -2196,7 +2196,7 @@
           <p:cNvPr id="3" name="内容占位符 2">
             <a:extLst>
               <a:ext uri="{FF2B5EF4-FFF2-40B4-BE49-F238E27FC236}">
-                <a16:creationId xmlns:a16="http://schemas.microsoft.com/office/drawing/2014/main" id="{922C5B46-DC89-D3A1-CDDC-078F67EF25BF}"/>
+                <a16:creationId xmlns:a16="http://schemas.microsoft.com/office/drawing/2014/main" id="{A32BA5B3-C554-581E-E1FA-9C5EFDE7B081}"/>
               </a:ext>
             </a:extLst>
           </p:cNvPr>
@@ -2286,7 +2286,7 @@
           <p:cNvPr id="4" name="文本占位符 3">
             <a:extLst>
               <a:ext uri="{FF2B5EF4-FFF2-40B4-BE49-F238E27FC236}">
-                <a16:creationId xmlns:a16="http://schemas.microsoft.com/office/drawing/2014/main" id="{88CA8A31-41B7-3E28-FFAE-0DFC1D690C8D}"/>
+                <a16:creationId xmlns:a16="http://schemas.microsoft.com/office/drawing/2014/main" id="{A8CC32B0-1513-2CC8-2D1C-21695F7D6478}"/>
               </a:ext>
             </a:extLst>
           </p:cNvPr>
@@ -2357,7 +2357,7 @@
           <p:cNvPr id="5" name="日期占位符 4">
             <a:extLst>
               <a:ext uri="{FF2B5EF4-FFF2-40B4-BE49-F238E27FC236}">
-                <a16:creationId xmlns:a16="http://schemas.microsoft.com/office/drawing/2014/main" id="{DFE522DD-6746-1D6C-1474-4FBA2410C847}"/>
+                <a16:creationId xmlns:a16="http://schemas.microsoft.com/office/drawing/2014/main" id="{602C33A6-89BD-D5B7-7100-1988753E5C00}"/>
               </a:ext>
             </a:extLst>
           </p:cNvPr>
@@ -2373,7 +2373,7 @@
           <a:bodyPr/>
           <a:lstStyle/>
           <a:p>
-            <a:fld id="{A4DF2631-DCB3-44C8-8085-D538DBD2AC07}" type="datetimeFigureOut">
+            <a:fld id="{0062A487-BE40-4A9A-B64B-CFD0F7F73EB6}" type="datetimeFigureOut">
               <a:rPr lang="zh-CN" altLang="en-US" smtClean="0"/>
               <a:t>2024/3/10</a:t>
             </a:fld>
@@ -2386,7 +2386,7 @@
           <p:cNvPr id="6" name="页脚占位符 5">
             <a:extLst>
               <a:ext uri="{FF2B5EF4-FFF2-40B4-BE49-F238E27FC236}">
-                <a16:creationId xmlns:a16="http://schemas.microsoft.com/office/drawing/2014/main" id="{87829B7F-C855-0BCB-DADB-D36ECC9BDC90}"/>
+                <a16:creationId xmlns:a16="http://schemas.microsoft.com/office/drawing/2014/main" id="{0B5430D0-7223-83D8-8C87-6B70D17474AE}"/>
               </a:ext>
             </a:extLst>
           </p:cNvPr>
@@ -2411,7 +2411,7 @@
           <p:cNvPr id="7" name="灯片编号占位符 6">
             <a:extLst>
               <a:ext uri="{FF2B5EF4-FFF2-40B4-BE49-F238E27FC236}">
-                <a16:creationId xmlns:a16="http://schemas.microsoft.com/office/drawing/2014/main" id="{EF76E63C-F8DB-2410-ACF5-66402A24870E}"/>
+                <a16:creationId xmlns:a16="http://schemas.microsoft.com/office/drawing/2014/main" id="{B7B034C4-1069-3FF2-A3C0-C0AB9895445C}"/>
               </a:ext>
             </a:extLst>
           </p:cNvPr>
@@ -2427,7 +2427,7 @@
           <a:bodyPr/>
           <a:lstStyle/>
           <a:p>
-            <a:fld id="{CF125FC8-11CF-4167-98E8-6712B32B1ACC}" type="slidenum">
+            <a:fld id="{DA44BFEB-A075-4ABD-B3CE-CF2314BF81AE}" type="slidenum">
               <a:rPr lang="zh-CN" altLang="en-US" smtClean="0"/>
               <a:t>‹#›</a:t>
             </a:fld>
@@ -2438,7 +2438,7 @@
     </p:spTree>
     <p:extLst>
       <p:ext uri="{BB962C8B-B14F-4D97-AF65-F5344CB8AC3E}">
-        <p14:creationId xmlns:p14="http://schemas.microsoft.com/office/powerpoint/2010/main" val="548909357"/>
+        <p14:creationId xmlns:p14="http://schemas.microsoft.com/office/powerpoint/2010/main" val="1412312467"/>
       </p:ext>
     </p:extLst>
   </p:cSld>
@@ -2470,7 +2470,7 @@
           <p:cNvPr id="2" name="标题 1">
             <a:extLst>
               <a:ext uri="{FF2B5EF4-FFF2-40B4-BE49-F238E27FC236}">
-                <a16:creationId xmlns:a16="http://schemas.microsoft.com/office/drawing/2014/main" id="{0814BC50-240A-A604-EA7B-4556288C7A0B}"/>
+                <a16:creationId xmlns:a16="http://schemas.microsoft.com/office/drawing/2014/main" id="{BD945F97-602F-644A-FF17-466E09046914}"/>
               </a:ext>
             </a:extLst>
           </p:cNvPr>
@@ -2507,7 +2507,7 @@
           <p:cNvPr id="3" name="图片占位符 2">
             <a:extLst>
               <a:ext uri="{FF2B5EF4-FFF2-40B4-BE49-F238E27FC236}">
-                <a16:creationId xmlns:a16="http://schemas.microsoft.com/office/drawing/2014/main" id="{BC9E4989-B3A2-232E-0111-DBB9E339CE63}"/>
+                <a16:creationId xmlns:a16="http://schemas.microsoft.com/office/drawing/2014/main" id="{01E362CB-2283-FBB9-E28E-E158C61603C9}"/>
               </a:ext>
             </a:extLst>
           </p:cNvPr>
@@ -2574,7 +2574,7 @@
           <p:cNvPr id="4" name="文本占位符 3">
             <a:extLst>
               <a:ext uri="{FF2B5EF4-FFF2-40B4-BE49-F238E27FC236}">
-                <a16:creationId xmlns:a16="http://schemas.microsoft.com/office/drawing/2014/main" id="{6887A4BB-B3A6-4CDE-9175-6343EC506CF6}"/>
+                <a16:creationId xmlns:a16="http://schemas.microsoft.com/office/drawing/2014/main" id="{DC0B94C5-E582-8074-6E8C-7286CA7003B1}"/>
               </a:ext>
             </a:extLst>
           </p:cNvPr>
@@ -2645,7 +2645,7 @@
           <p:cNvPr id="5" name="日期占位符 4">
             <a:extLst>
               <a:ext uri="{FF2B5EF4-FFF2-40B4-BE49-F238E27FC236}">
-                <a16:creationId xmlns:a16="http://schemas.microsoft.com/office/drawing/2014/main" id="{50BFEA06-A900-B955-BA26-3E0C2975BD59}"/>
+                <a16:creationId xmlns:a16="http://schemas.microsoft.com/office/drawing/2014/main" id="{63EB68B6-835D-8237-8C5F-2BE8CE2FB2F7}"/>
               </a:ext>
             </a:extLst>
           </p:cNvPr>
@@ -2661,7 +2661,7 @@
           <a:bodyPr/>
           <a:lstStyle/>
           <a:p>
-            <a:fld id="{A4DF2631-DCB3-44C8-8085-D538DBD2AC07}" type="datetimeFigureOut">
+            <a:fld id="{0062A487-BE40-4A9A-B64B-CFD0F7F73EB6}" type="datetimeFigureOut">
               <a:rPr lang="zh-CN" altLang="en-US" smtClean="0"/>
               <a:t>2024/3/10</a:t>
             </a:fld>
@@ -2674,7 +2674,7 @@
           <p:cNvPr id="6" name="页脚占位符 5">
             <a:extLst>
               <a:ext uri="{FF2B5EF4-FFF2-40B4-BE49-F238E27FC236}">
-                <a16:creationId xmlns:a16="http://schemas.microsoft.com/office/drawing/2014/main" id="{34C72089-FC63-8661-4E02-54FCD93E6503}"/>
+                <a16:creationId xmlns:a16="http://schemas.microsoft.com/office/drawing/2014/main" id="{C2AFA54F-9555-14BD-4B5A-30AA58B3D31F}"/>
               </a:ext>
             </a:extLst>
           </p:cNvPr>
@@ -2699,7 +2699,7 @@
           <p:cNvPr id="7" name="灯片编号占位符 6">
             <a:extLst>
               <a:ext uri="{FF2B5EF4-FFF2-40B4-BE49-F238E27FC236}">
-                <a16:creationId xmlns:a16="http://schemas.microsoft.com/office/drawing/2014/main" id="{8E7C6467-5702-2D1B-F69E-6B7F749CD0FA}"/>
+                <a16:creationId xmlns:a16="http://schemas.microsoft.com/office/drawing/2014/main" id="{AE50A767-9978-CF00-ED7C-C9EAD3FEF569}"/>
               </a:ext>
             </a:extLst>
           </p:cNvPr>
@@ -2715,7 +2715,7 @@
           <a:bodyPr/>
           <a:lstStyle/>
           <a:p>
-            <a:fld id="{CF125FC8-11CF-4167-98E8-6712B32B1ACC}" type="slidenum">
+            <a:fld id="{DA44BFEB-A075-4ABD-B3CE-CF2314BF81AE}" type="slidenum">
               <a:rPr lang="zh-CN" altLang="en-US" smtClean="0"/>
               <a:t>‹#›</a:t>
             </a:fld>
@@ -2726,7 +2726,7 @@
     </p:spTree>
     <p:extLst>
       <p:ext uri="{BB962C8B-B14F-4D97-AF65-F5344CB8AC3E}">
-        <p14:creationId xmlns:p14="http://schemas.microsoft.com/office/powerpoint/2010/main" val="2313683328"/>
+        <p14:creationId xmlns:p14="http://schemas.microsoft.com/office/powerpoint/2010/main" val="3034931327"/>
       </p:ext>
     </p:extLst>
   </p:cSld>
@@ -2763,7 +2763,7 @@
           <p:cNvPr id="2" name="标题占位符 1">
             <a:extLst>
               <a:ext uri="{FF2B5EF4-FFF2-40B4-BE49-F238E27FC236}">
-                <a16:creationId xmlns:a16="http://schemas.microsoft.com/office/drawing/2014/main" id="{F3C903A7-F388-1DA6-4D9D-20E3ED204FAF}"/>
+                <a16:creationId xmlns:a16="http://schemas.microsoft.com/office/drawing/2014/main" id="{F4A35E85-17BF-B02F-9D0D-BD3FE846613E}"/>
               </a:ext>
             </a:extLst>
           </p:cNvPr>
@@ -2801,7 +2801,7 @@
           <p:cNvPr id="3" name="文本占位符 2">
             <a:extLst>
               <a:ext uri="{FF2B5EF4-FFF2-40B4-BE49-F238E27FC236}">
-                <a16:creationId xmlns:a16="http://schemas.microsoft.com/office/drawing/2014/main" id="{67BD9CDA-7B3E-7D36-0208-33BBD6735056}"/>
+                <a16:creationId xmlns:a16="http://schemas.microsoft.com/office/drawing/2014/main" id="{362AC068-4042-D9F8-305F-108F39FB531B}"/>
               </a:ext>
             </a:extLst>
           </p:cNvPr>
@@ -2868,7 +2868,7 @@
           <p:cNvPr id="4" name="日期占位符 3">
             <a:extLst>
               <a:ext uri="{FF2B5EF4-FFF2-40B4-BE49-F238E27FC236}">
-                <a16:creationId xmlns:a16="http://schemas.microsoft.com/office/drawing/2014/main" id="{255EA6D1-23BA-F6B3-D6E1-032B946C231D}"/>
+                <a16:creationId xmlns:a16="http://schemas.microsoft.com/office/drawing/2014/main" id="{4F514F7B-BA52-7BD5-9353-6CAADB5002F3}"/>
               </a:ext>
             </a:extLst>
           </p:cNvPr>
@@ -2902,7 +2902,7 @@
             </a:lvl1pPr>
           </a:lstStyle>
           <a:p>
-            <a:fld id="{A4DF2631-DCB3-44C8-8085-D538DBD2AC07}" type="datetimeFigureOut">
+            <a:fld id="{0062A487-BE40-4A9A-B64B-CFD0F7F73EB6}" type="datetimeFigureOut">
               <a:rPr lang="zh-CN" altLang="en-US" smtClean="0"/>
               <a:t>2024/3/10</a:t>
             </a:fld>
@@ -2915,7 +2915,7 @@
           <p:cNvPr id="5" name="页脚占位符 4">
             <a:extLst>
               <a:ext uri="{FF2B5EF4-FFF2-40B4-BE49-F238E27FC236}">
-                <a16:creationId xmlns:a16="http://schemas.microsoft.com/office/drawing/2014/main" id="{6454EAD9-976B-D642-A84A-3BAD8CD9B35D}"/>
+                <a16:creationId xmlns:a16="http://schemas.microsoft.com/office/drawing/2014/main" id="{117F227B-6988-5AAA-E04A-6D8B6A1AE8FE}"/>
               </a:ext>
             </a:extLst>
           </p:cNvPr>
@@ -2958,7 +2958,7 @@
           <p:cNvPr id="6" name="灯片编号占位符 5">
             <a:extLst>
               <a:ext uri="{FF2B5EF4-FFF2-40B4-BE49-F238E27FC236}">
-                <a16:creationId xmlns:a16="http://schemas.microsoft.com/office/drawing/2014/main" id="{D8C9AF7E-D434-2A2D-8A8E-D3D52B66FF92}"/>
+                <a16:creationId xmlns:a16="http://schemas.microsoft.com/office/drawing/2014/main" id="{B69852D5-B444-B070-EF57-BBBCF5240391}"/>
               </a:ext>
             </a:extLst>
           </p:cNvPr>
@@ -2992,7 +2992,7 @@
             </a:lvl1pPr>
           </a:lstStyle>
           <a:p>
-            <a:fld id="{CF125FC8-11CF-4167-98E8-6712B32B1ACC}" type="slidenum">
+            <a:fld id="{DA44BFEB-A075-4ABD-B3CE-CF2314BF81AE}" type="slidenum">
               <a:rPr lang="zh-CN" altLang="en-US" smtClean="0"/>
               <a:t>‹#›</a:t>
             </a:fld>
@@ -3003,7 +3003,7 @@
     </p:spTree>
     <p:extLst>
       <p:ext uri="{BB962C8B-B14F-4D97-AF65-F5344CB8AC3E}">
-        <p14:creationId xmlns:p14="http://schemas.microsoft.com/office/powerpoint/2010/main" val="2366338805"/>
+        <p14:creationId xmlns:p14="http://schemas.microsoft.com/office/powerpoint/2010/main" val="1256442913"/>
       </p:ext>
     </p:extLst>
   </p:cSld>
